--- a/CASE STUDY - HR ANALYTICS.pptx
+++ b/CASE STUDY - HR ANALYTICS.pptx
@@ -25,6 +25,7 @@
     <p:sldId id="266" r:id="rId19"/>
     <p:sldId id="276" r:id="rId20"/>
     <p:sldId id="277" r:id="rId21"/>
+    <p:sldId id="279" r:id="rId22"/>
   </p:sldIdLst>
   <p:sldSz cx="12192000" cy="6858000"/>
   <p:notesSz cx="6858000" cy="9144000"/>
@@ -123,6 +124,11 @@
       </a:defRPr>
     </a:lvl9pPr>
   </p:defaultTextStyle>
+  <p:extLst>
+    <p:ext uri="{EFAFB233-063F-42B5-8137-9DF3F51BA10A}">
+      <p15:sldGuideLst xmlns:p15="http://schemas.microsoft.com/office/powerpoint/2012/main"/>
+    </p:ext>
+  </p:extLst>
 </p:presentation>
 </file>
 
@@ -289,7 +295,7 @@
           <a:p>
             <a:fld id="{568ADAB9-E9EF-44F2-9C8F-6349FABC6F4B}" type="datetimeFigureOut">
               <a:rPr lang="en-IN" smtClean="0"/>
-              <a:t>05-03-2022</a:t>
+              <a:t>06-03-2022</a:t>
             </a:fld>
             <a:endParaRPr lang="en-IN"/>
           </a:p>
@@ -459,7 +465,7 @@
           <a:p>
             <a:fld id="{568ADAB9-E9EF-44F2-9C8F-6349FABC6F4B}" type="datetimeFigureOut">
               <a:rPr lang="en-IN" smtClean="0"/>
-              <a:t>05-03-2022</a:t>
+              <a:t>06-03-2022</a:t>
             </a:fld>
             <a:endParaRPr lang="en-IN"/>
           </a:p>
@@ -639,7 +645,7 @@
           <a:p>
             <a:fld id="{568ADAB9-E9EF-44F2-9C8F-6349FABC6F4B}" type="datetimeFigureOut">
               <a:rPr lang="en-IN" smtClean="0"/>
-              <a:t>05-03-2022</a:t>
+              <a:t>06-03-2022</a:t>
             </a:fld>
             <a:endParaRPr lang="en-IN"/>
           </a:p>
@@ -809,7 +815,7 @@
           <a:p>
             <a:fld id="{568ADAB9-E9EF-44F2-9C8F-6349FABC6F4B}" type="datetimeFigureOut">
               <a:rPr lang="en-IN" smtClean="0"/>
-              <a:t>05-03-2022</a:t>
+              <a:t>06-03-2022</a:t>
             </a:fld>
             <a:endParaRPr lang="en-IN"/>
           </a:p>
@@ -1077,7 +1083,7 @@
           <a:p>
             <a:fld id="{568ADAB9-E9EF-44F2-9C8F-6349FABC6F4B}" type="datetimeFigureOut">
               <a:rPr lang="en-IN" smtClean="0"/>
-              <a:t>05-03-2022</a:t>
+              <a:t>06-03-2022</a:t>
             </a:fld>
             <a:endParaRPr lang="en-IN"/>
           </a:p>
@@ -1309,7 +1315,7 @@
           <a:p>
             <a:fld id="{568ADAB9-E9EF-44F2-9C8F-6349FABC6F4B}" type="datetimeFigureOut">
               <a:rPr lang="en-IN" smtClean="0"/>
-              <a:t>05-03-2022</a:t>
+              <a:t>06-03-2022</a:t>
             </a:fld>
             <a:endParaRPr lang="en-IN"/>
           </a:p>
@@ -1668,7 +1674,7 @@
           <a:p>
             <a:fld id="{568ADAB9-E9EF-44F2-9C8F-6349FABC6F4B}" type="datetimeFigureOut">
               <a:rPr lang="en-IN" smtClean="0"/>
-              <a:t>05-03-2022</a:t>
+              <a:t>06-03-2022</a:t>
             </a:fld>
             <a:endParaRPr lang="en-IN"/>
           </a:p>
@@ -1809,7 +1815,7 @@
           <a:p>
             <a:fld id="{568ADAB9-E9EF-44F2-9C8F-6349FABC6F4B}" type="datetimeFigureOut">
               <a:rPr lang="en-IN" smtClean="0"/>
-              <a:t>05-03-2022</a:t>
+              <a:t>06-03-2022</a:t>
             </a:fld>
             <a:endParaRPr lang="en-IN"/>
           </a:p>
@@ -1904,7 +1910,7 @@
           <a:p>
             <a:fld id="{568ADAB9-E9EF-44F2-9C8F-6349FABC6F4B}" type="datetimeFigureOut">
               <a:rPr lang="en-IN" smtClean="0"/>
-              <a:t>05-03-2022</a:t>
+              <a:t>06-03-2022</a:t>
             </a:fld>
             <a:endParaRPr lang="en-IN"/>
           </a:p>
@@ -2261,7 +2267,7 @@
           <a:p>
             <a:fld id="{568ADAB9-E9EF-44F2-9C8F-6349FABC6F4B}" type="datetimeFigureOut">
               <a:rPr lang="en-IN" smtClean="0"/>
-              <a:t>05-03-2022</a:t>
+              <a:t>06-03-2022</a:t>
             </a:fld>
             <a:endParaRPr lang="en-IN"/>
           </a:p>
@@ -2618,7 +2624,7 @@
           <a:p>
             <a:fld id="{568ADAB9-E9EF-44F2-9C8F-6349FABC6F4B}" type="datetimeFigureOut">
               <a:rPr lang="en-IN" smtClean="0"/>
-              <a:t>05-03-2022</a:t>
+              <a:t>06-03-2022</a:t>
             </a:fld>
             <a:endParaRPr lang="en-IN"/>
           </a:p>
@@ -2860,7 +2866,7 @@
           <a:p>
             <a:fld id="{568ADAB9-E9EF-44F2-9C8F-6349FABC6F4B}" type="datetimeFigureOut">
               <a:rPr lang="en-IN" smtClean="0"/>
-              <a:t>05-03-2022</a:t>
+              <a:t>06-03-2022</a:t>
             </a:fld>
             <a:endParaRPr lang="en-IN"/>
           </a:p>
@@ -5970,6 +5976,71 @@
 </p:sld>
 </file>
 
+<file path=ppt/slides/slide21.xml><?xml version="1.0" encoding="utf-8"?>
+<p:sld xmlns:a="http://schemas.openxmlformats.org/drawingml/2006/main" xmlns:r="http://schemas.openxmlformats.org/officeDocument/2006/relationships" xmlns:p="http://schemas.openxmlformats.org/presentationml/2006/main">
+  <p:cSld>
+    <p:spTree>
+      <p:nvGrpSpPr>
+        <p:cNvPr id="1" name=""/>
+        <p:cNvGrpSpPr/>
+        <p:nvPr/>
+      </p:nvGrpSpPr>
+      <p:grpSpPr>
+        <a:xfrm>
+          <a:off x="0" y="0"/>
+          <a:ext cx="0" cy="0"/>
+          <a:chOff x="0" y="0"/>
+          <a:chExt cx="0" cy="0"/>
+        </a:xfrm>
+      </p:grpSpPr>
+      <p:pic>
+        <p:nvPicPr>
+          <p:cNvPr id="5" name="Content Placeholder 4">
+            <a:extLst>
+              <a:ext uri="{FF2B5EF4-FFF2-40B4-BE49-F238E27FC236}">
+                <a16:creationId xmlns:a16="http://schemas.microsoft.com/office/drawing/2014/main" id="{3448E202-F4B0-4595-82C8-AAD609C62EC5}"/>
+              </a:ext>
+            </a:extLst>
+          </p:cNvPr>
+          <p:cNvPicPr>
+            <a:picLocks noGrp="1" noChangeAspect="1"/>
+          </p:cNvPicPr>
+          <p:nvPr>
+            <p:ph idx="1"/>
+          </p:nvPr>
+        </p:nvPicPr>
+        <p:blipFill>
+          <a:blip r:embed="rId2">
+            <a:extLst>
+              <a:ext uri="{28A0092B-C50C-407E-A947-70E740481C1C}">
+                <a14:useLocalDpi xmlns:a14="http://schemas.microsoft.com/office/drawing/2010/main" val="0"/>
+              </a:ext>
+            </a:extLst>
+          </a:blip>
+          <a:stretch>
+            <a:fillRect/>
+          </a:stretch>
+        </p:blipFill>
+        <p:spPr>
+          <a:xfrm>
+            <a:off x="221943" y="124287"/>
+            <a:ext cx="11700768" cy="6480699"/>
+          </a:xfrm>
+        </p:spPr>
+      </p:pic>
+    </p:spTree>
+    <p:extLst>
+      <p:ext uri="{BB962C8B-B14F-4D97-AF65-F5344CB8AC3E}">
+        <p14:creationId xmlns:p14="http://schemas.microsoft.com/office/powerpoint/2010/main" val="3954794066"/>
+      </p:ext>
+    </p:extLst>
+  </p:cSld>
+  <p:clrMapOvr>
+    <a:masterClrMapping/>
+  </p:clrMapOvr>
+</p:sld>
+</file>
+
 <file path=ppt/slides/slide3.xml><?xml version="1.0" encoding="utf-8"?>
 <p:sld xmlns:a="http://schemas.openxmlformats.org/drawingml/2006/main" xmlns:r="http://schemas.openxmlformats.org/officeDocument/2006/relationships" xmlns:p="http://schemas.openxmlformats.org/presentationml/2006/main">
   <p:cSld>
